--- a/Astro.pptx
+++ b/Astro.pptx
@@ -30,6 +30,10 @@
     <p:sldId id="278" r:id="rId23"/>
     <p:sldId id="285" r:id="rId24"/>
     <p:sldId id="286" r:id="rId25"/>
+    <p:sldId id="287" r:id="rId26"/>
+    <p:sldId id="288" r:id="rId27"/>
+    <p:sldId id="289" r:id="rId28"/>
+    <p:sldId id="290" r:id="rId29"/>
   </p:sldIdLst>
   <p:sldSz cx="12192000" cy="6858000"/>
   <p:notesSz cx="6858000" cy="9144000"/>
@@ -6294,6 +6298,273 @@
 </p:sld>
 </file>
 
+<file path=ppt/slides/slide23.xml><?xml version="1.0" encoding="utf-8"?>
+<p:sld xmlns:a="http://schemas.openxmlformats.org/drawingml/2006/main" xmlns:r="http://schemas.openxmlformats.org/officeDocument/2006/relationships" xmlns:p="http://schemas.openxmlformats.org/presentationml/2006/main">
+  <p:cSld>
+    <p:spTree>
+      <p:nvGrpSpPr>
+        <p:cNvPr id="1" name=""/>
+        <p:cNvGrpSpPr/>
+        <p:nvPr/>
+      </p:nvGrpSpPr>
+      <p:grpSpPr/>
+      <p:sp>
+        <p:nvSpPr>
+          <p:cNvPr id="4" name="标题 3"/>
+          <p:cNvSpPr>
+            <a:spLocks noGrp="1"/>
+          </p:cNvSpPr>
+          <p:nvPr>
+            <p:ph type="title"/>
+          </p:nvPr>
+        </p:nvSpPr>
+        <p:spPr/>
+        <p:txBody>
+          <a:bodyPr/>
+          <a:p>
+            <a:r>
+              <a:rPr lang="en-US" altLang="zh-CN"/>
+              <a:t>J-PLUS Lya Nebula</a:t>
+            </a:r>
+            <a:endParaRPr lang="en-US" altLang="zh-CN"/>
+          </a:p>
+        </p:txBody>
+      </p:sp>
+      <p:sp>
+        <p:nvSpPr>
+          <p:cNvPr id="5" name="文本占位符 4"/>
+          <p:cNvSpPr>
+            <a:spLocks noGrp="1"/>
+          </p:cNvSpPr>
+          <p:nvPr>
+            <p:ph type="body" idx="1"/>
+          </p:nvPr>
+        </p:nvSpPr>
+        <p:spPr/>
+        <p:txBody>
+          <a:bodyPr/>
+          <a:p>
+            <a:r>
+              <a:rPr lang="en-US" altLang="zh-CN"/>
+              <a:t>example</a:t>
+            </a:r>
+            <a:r>
+              <a:rPr lang="zh-CN" altLang="en-US"/>
+              <a:t>：1000001-JPLUS-00525-v2</a:t>
+            </a:r>
+            <a:endParaRPr lang="zh-CN" altLang="en-US"/>
+          </a:p>
+        </p:txBody>
+      </p:sp>
+    </p:spTree>
+  </p:cSld>
+  <p:clrMapOvr>
+    <a:masterClrMapping/>
+  </p:clrMapOvr>
+</p:sld>
+</file>
+
+<file path=ppt/slides/slide24.xml><?xml version="1.0" encoding="utf-8"?>
+<p:sld xmlns:a="http://schemas.openxmlformats.org/drawingml/2006/main" xmlns:r="http://schemas.openxmlformats.org/officeDocument/2006/relationships" xmlns:p="http://schemas.openxmlformats.org/presentationml/2006/main">
+  <p:cSld>
+    <p:spTree>
+      <p:nvGrpSpPr>
+        <p:cNvPr id="1" name=""/>
+        <p:cNvGrpSpPr/>
+        <p:nvPr/>
+      </p:nvGrpSpPr>
+      <p:grpSpPr/>
+      <p:sp>
+        <p:nvSpPr>
+          <p:cNvPr id="4" name="标题 3"/>
+          <p:cNvSpPr>
+            <a:spLocks noGrp="1"/>
+          </p:cNvSpPr>
+          <p:nvPr>
+            <p:ph type="title"/>
+          </p:nvPr>
+        </p:nvSpPr>
+        <p:spPr/>
+        <p:txBody>
+          <a:bodyPr/>
+          <a:p>
+            <a:r>
+              <a:rPr lang="en-US" altLang="zh-CN"/>
+              <a:t>Filters</a:t>
+            </a:r>
+            <a:endParaRPr lang="en-US" altLang="zh-CN"/>
+          </a:p>
+        </p:txBody>
+      </p:sp>
+      <p:pic>
+        <p:nvPicPr>
+          <p:cNvPr id="8" name="内容占位符 7"/>
+          <p:cNvPicPr>
+            <a:picLocks noChangeAspect="1"/>
+          </p:cNvPicPr>
+          <p:nvPr>
+            <p:ph idx="1"/>
+          </p:nvPr>
+        </p:nvPicPr>
+        <p:blipFill>
+          <a:blip r:embed="rId1"/>
+          <a:stretch>
+            <a:fillRect/>
+          </a:stretch>
+        </p:blipFill>
+        <p:spPr>
+          <a:xfrm>
+            <a:off x="2034540" y="1825625"/>
+            <a:ext cx="8121650" cy="4351655"/>
+          </a:xfrm>
+          <a:prstGeom prst="rect">
+            <a:avLst/>
+          </a:prstGeom>
+        </p:spPr>
+      </p:pic>
+    </p:spTree>
+  </p:cSld>
+  <p:clrMapOvr>
+    <a:masterClrMapping/>
+  </p:clrMapOvr>
+</p:sld>
+</file>
+
+<file path=ppt/slides/slide25.xml><?xml version="1.0" encoding="utf-8"?>
+<p:sld xmlns:a="http://schemas.openxmlformats.org/drawingml/2006/main" xmlns:r="http://schemas.openxmlformats.org/officeDocument/2006/relationships" xmlns:p="http://schemas.openxmlformats.org/presentationml/2006/main">
+  <p:cSld>
+    <p:spTree>
+      <p:nvGrpSpPr>
+        <p:cNvPr id="1" name=""/>
+        <p:cNvGrpSpPr/>
+        <p:nvPr/>
+      </p:nvGrpSpPr>
+      <p:grpSpPr/>
+      <p:sp>
+        <p:nvSpPr>
+          <p:cNvPr id="2" name="标题 1"/>
+          <p:cNvSpPr>
+            <a:spLocks noGrp="1"/>
+          </p:cNvSpPr>
+          <p:nvPr>
+            <p:ph type="title"/>
+          </p:nvPr>
+        </p:nvSpPr>
+        <p:spPr/>
+        <p:txBody>
+          <a:bodyPr/>
+          <a:p>
+            <a:r>
+              <a:rPr lang="en-US" altLang="zh-CN"/>
+              <a:t>3</a:t>
+            </a:r>
+            <a:r>
+              <a:rPr lang="zh-CN" altLang="en-US"/>
+              <a:t>-filters method</a:t>
+            </a:r>
+            <a:endParaRPr lang="zh-CN" altLang="en-US"/>
+          </a:p>
+        </p:txBody>
+      </p:sp>
+      <p:pic>
+        <p:nvPicPr>
+          <p:cNvPr id="4" name="内容占位符 3"/>
+          <p:cNvPicPr>
+            <a:picLocks noChangeAspect="1"/>
+          </p:cNvPicPr>
+          <p:nvPr>
+            <p:ph idx="1"/>
+            <p:custDataLst>
+              <p:tags r:id="rId1"/>
+            </p:custDataLst>
+          </p:nvPr>
+        </p:nvPicPr>
+        <p:blipFill>
+          <a:blip r:embed="rId2"/>
+          <a:stretch>
+            <a:fillRect/>
+          </a:stretch>
+        </p:blipFill>
+        <p:spPr>
+          <a:xfrm>
+            <a:off x="1859280" y="1323340"/>
+            <a:ext cx="8472805" cy="5389880"/>
+          </a:xfrm>
+          <a:prstGeom prst="rect">
+            <a:avLst/>
+          </a:prstGeom>
+        </p:spPr>
+      </p:pic>
+    </p:spTree>
+  </p:cSld>
+  <p:clrMapOvr>
+    <a:masterClrMapping/>
+  </p:clrMapOvr>
+</p:sld>
+</file>
+
+<file path=ppt/slides/slide26.xml><?xml version="1.0" encoding="utf-8"?>
+<p:sld xmlns:a="http://schemas.openxmlformats.org/drawingml/2006/main" xmlns:r="http://schemas.openxmlformats.org/officeDocument/2006/relationships" xmlns:p="http://schemas.openxmlformats.org/presentationml/2006/main">
+  <p:cSld>
+    <p:spTree>
+      <p:nvGrpSpPr>
+        <p:cNvPr id="1" name=""/>
+        <p:cNvGrpSpPr/>
+        <p:nvPr/>
+      </p:nvGrpSpPr>
+      <p:grpSpPr/>
+      <p:sp>
+        <p:nvSpPr>
+          <p:cNvPr id="2" name="标题 1"/>
+          <p:cNvSpPr>
+            <a:spLocks noGrp="1"/>
+          </p:cNvSpPr>
+          <p:nvPr>
+            <p:ph type="title"/>
+          </p:nvPr>
+        </p:nvSpPr>
+        <p:spPr/>
+        <p:txBody>
+          <a:bodyPr/>
+          <a:p>
+            <a:endParaRPr lang="zh-CN" altLang="en-US"/>
+          </a:p>
+        </p:txBody>
+      </p:sp>
+      <p:pic>
+        <p:nvPicPr>
+          <p:cNvPr id="4" name="内容占位符 3"/>
+          <p:cNvPicPr>
+            <a:picLocks noChangeAspect="1"/>
+          </p:cNvPicPr>
+          <p:nvPr>
+            <p:ph idx="1"/>
+          </p:nvPr>
+        </p:nvPicPr>
+        <p:blipFill>
+          <a:blip r:embed="rId1"/>
+          <a:stretch>
+            <a:fillRect/>
+          </a:stretch>
+        </p:blipFill>
+        <p:spPr>
+          <a:xfrm>
+            <a:off x="2096770" y="1825625"/>
+            <a:ext cx="7997190" cy="4351655"/>
+          </a:xfrm>
+          <a:prstGeom prst="rect">
+            <a:avLst/>
+          </a:prstGeom>
+        </p:spPr>
+      </p:pic>
+    </p:spTree>
+  </p:cSld>
+  <p:clrMapOvr>
+    <a:masterClrMapping/>
+  </p:clrMapOvr>
+</p:sld>
+</file>
+
 <file path=ppt/slides/slide3.xml><?xml version="1.0" encoding="utf-8"?>
 <p:sld xmlns:a="http://schemas.openxmlformats.org/drawingml/2006/main" xmlns:r="http://schemas.openxmlformats.org/officeDocument/2006/relationships" xmlns:p="http://schemas.openxmlformats.org/presentationml/2006/main">
   <p:cSld>
@@ -7068,6 +7339,12 @@
 <file path=ppt/tags/tag2.xml><?xml version="1.0" encoding="utf-8"?>
 <p:tagLst xmlns:p="http://schemas.openxmlformats.org/presentationml/2006/main">
   <p:tag name="KSO_WM_UNIT_PLACING_PICTURE_USER_VIEWPORT" val="{&quot;height&quot;:3116,&quot;width&quot;:9897}"/>
+</p:tagLst>
+</file>
+
+<file path=ppt/tags/tag3.xml><?xml version="1.0" encoding="utf-8"?>
+<p:tagLst xmlns:p="http://schemas.openxmlformats.org/presentationml/2006/main">
+  <p:tag name="KSO_WM_UNIT_PLACING_PICTURE_USER_VIEWPORT" val="{&quot;height&quot;:6853,&quot;width&quot;:10773}"/>
 </p:tagLst>
 </file>
 
